--- a/docs/desgin.pptx
+++ b/docs/desgin.pptx
@@ -288,7 +288,8 @@
           <a:p>
             <a:fld id="{440333FA-5D5C-4CBF-84DB-7DBA4ADEDAA1}" type="datetimeFigureOut">
               <a:rPr lang="de-AT" smtClean="0"/>
-              <a:t>24.09.2011</a:t>
+              <a:pPr/>
+              <a:t>11.06.2012</a:t>
             </a:fld>
             <a:endParaRPr lang="de-AT"/>
           </a:p>
@@ -330,7 +331,8 @@
           <a:p>
             <a:fld id="{6D14097D-5401-42FD-B4AD-52C05F2F43E3}" type="slidenum">
               <a:rPr lang="de-AT" smtClean="0"/>
-              <a:t>‹Nr.›</a:t>
+              <a:pPr/>
+              <a:t>‹#›</a:t>
             </a:fld>
             <a:endParaRPr lang="de-AT"/>
           </a:p>
@@ -339,7 +341,7 @@
     </p:spTree>
     <p:extLst>
       <p:ext uri="{BB962C8B-B14F-4D97-AF65-F5344CB8AC3E}">
-        <p14:creationId xmlns:p14="http://schemas.microsoft.com/office/powerpoint/2010/main" val="3730541677"/>
+        <p14:creationId xmlns:p14="http://schemas.microsoft.com/office/powerpoint/2010/main" xmlns="" val="3730541677"/>
       </p:ext>
     </p:extLst>
   </p:cSld>
@@ -458,7 +460,8 @@
           <a:p>
             <a:fld id="{440333FA-5D5C-4CBF-84DB-7DBA4ADEDAA1}" type="datetimeFigureOut">
               <a:rPr lang="de-AT" smtClean="0"/>
-              <a:t>24.09.2011</a:t>
+              <a:pPr/>
+              <a:t>11.06.2012</a:t>
             </a:fld>
             <a:endParaRPr lang="de-AT"/>
           </a:p>
@@ -500,7 +503,8 @@
           <a:p>
             <a:fld id="{6D14097D-5401-42FD-B4AD-52C05F2F43E3}" type="slidenum">
               <a:rPr lang="de-AT" smtClean="0"/>
-              <a:t>‹Nr.›</a:t>
+              <a:pPr/>
+              <a:t>‹#›</a:t>
             </a:fld>
             <a:endParaRPr lang="de-AT"/>
           </a:p>
@@ -509,7 +513,7 @@
     </p:spTree>
     <p:extLst>
       <p:ext uri="{BB962C8B-B14F-4D97-AF65-F5344CB8AC3E}">
-        <p14:creationId xmlns:p14="http://schemas.microsoft.com/office/powerpoint/2010/main" val="2894950476"/>
+        <p14:creationId xmlns:p14="http://schemas.microsoft.com/office/powerpoint/2010/main" xmlns="" val="2894950476"/>
       </p:ext>
     </p:extLst>
   </p:cSld>
@@ -638,7 +642,8 @@
           <a:p>
             <a:fld id="{440333FA-5D5C-4CBF-84DB-7DBA4ADEDAA1}" type="datetimeFigureOut">
               <a:rPr lang="de-AT" smtClean="0"/>
-              <a:t>24.09.2011</a:t>
+              <a:pPr/>
+              <a:t>11.06.2012</a:t>
             </a:fld>
             <a:endParaRPr lang="de-AT"/>
           </a:p>
@@ -680,7 +685,8 @@
           <a:p>
             <a:fld id="{6D14097D-5401-42FD-B4AD-52C05F2F43E3}" type="slidenum">
               <a:rPr lang="de-AT" smtClean="0"/>
-              <a:t>‹Nr.›</a:t>
+              <a:pPr/>
+              <a:t>‹#›</a:t>
             </a:fld>
             <a:endParaRPr lang="de-AT"/>
           </a:p>
@@ -689,7 +695,7 @@
     </p:spTree>
     <p:extLst>
       <p:ext uri="{BB962C8B-B14F-4D97-AF65-F5344CB8AC3E}">
-        <p14:creationId xmlns:p14="http://schemas.microsoft.com/office/powerpoint/2010/main" val="1786855689"/>
+        <p14:creationId xmlns:p14="http://schemas.microsoft.com/office/powerpoint/2010/main" xmlns="" val="1786855689"/>
       </p:ext>
     </p:extLst>
   </p:cSld>
@@ -808,7 +814,8 @@
           <a:p>
             <a:fld id="{440333FA-5D5C-4CBF-84DB-7DBA4ADEDAA1}" type="datetimeFigureOut">
               <a:rPr lang="de-AT" smtClean="0"/>
-              <a:t>24.09.2011</a:t>
+              <a:pPr/>
+              <a:t>11.06.2012</a:t>
             </a:fld>
             <a:endParaRPr lang="de-AT"/>
           </a:p>
@@ -850,7 +857,8 @@
           <a:p>
             <a:fld id="{6D14097D-5401-42FD-B4AD-52C05F2F43E3}" type="slidenum">
               <a:rPr lang="de-AT" smtClean="0"/>
-              <a:t>‹Nr.›</a:t>
+              <a:pPr/>
+              <a:t>‹#›</a:t>
             </a:fld>
             <a:endParaRPr lang="de-AT"/>
           </a:p>
@@ -859,7 +867,7 @@
     </p:spTree>
     <p:extLst>
       <p:ext uri="{BB962C8B-B14F-4D97-AF65-F5344CB8AC3E}">
-        <p14:creationId xmlns:p14="http://schemas.microsoft.com/office/powerpoint/2010/main" val="4095731647"/>
+        <p14:creationId xmlns:p14="http://schemas.microsoft.com/office/powerpoint/2010/main" xmlns="" val="4095731647"/>
       </p:ext>
     </p:extLst>
   </p:cSld>
@@ -1054,7 +1062,8 @@
           <a:p>
             <a:fld id="{440333FA-5D5C-4CBF-84DB-7DBA4ADEDAA1}" type="datetimeFigureOut">
               <a:rPr lang="de-AT" smtClean="0"/>
-              <a:t>24.09.2011</a:t>
+              <a:pPr/>
+              <a:t>11.06.2012</a:t>
             </a:fld>
             <a:endParaRPr lang="de-AT"/>
           </a:p>
@@ -1096,7 +1105,8 @@
           <a:p>
             <a:fld id="{6D14097D-5401-42FD-B4AD-52C05F2F43E3}" type="slidenum">
               <a:rPr lang="de-AT" smtClean="0"/>
-              <a:t>‹Nr.›</a:t>
+              <a:pPr/>
+              <a:t>‹#›</a:t>
             </a:fld>
             <a:endParaRPr lang="de-AT"/>
           </a:p>
@@ -1105,7 +1115,7 @@
     </p:spTree>
     <p:extLst>
       <p:ext uri="{BB962C8B-B14F-4D97-AF65-F5344CB8AC3E}">
-        <p14:creationId xmlns:p14="http://schemas.microsoft.com/office/powerpoint/2010/main" val="236079703"/>
+        <p14:creationId xmlns:p14="http://schemas.microsoft.com/office/powerpoint/2010/main" xmlns="" val="236079703"/>
       </p:ext>
     </p:extLst>
   </p:cSld>
@@ -1342,7 +1352,8 @@
           <a:p>
             <a:fld id="{440333FA-5D5C-4CBF-84DB-7DBA4ADEDAA1}" type="datetimeFigureOut">
               <a:rPr lang="de-AT" smtClean="0"/>
-              <a:t>24.09.2011</a:t>
+              <a:pPr/>
+              <a:t>11.06.2012</a:t>
             </a:fld>
             <a:endParaRPr lang="de-AT"/>
           </a:p>
@@ -1384,7 +1395,8 @@
           <a:p>
             <a:fld id="{6D14097D-5401-42FD-B4AD-52C05F2F43E3}" type="slidenum">
               <a:rPr lang="de-AT" smtClean="0"/>
-              <a:t>‹Nr.›</a:t>
+              <a:pPr/>
+              <a:t>‹#›</a:t>
             </a:fld>
             <a:endParaRPr lang="de-AT"/>
           </a:p>
@@ -1393,7 +1405,7 @@
     </p:spTree>
     <p:extLst>
       <p:ext uri="{BB962C8B-B14F-4D97-AF65-F5344CB8AC3E}">
-        <p14:creationId xmlns:p14="http://schemas.microsoft.com/office/powerpoint/2010/main" val="2122308339"/>
+        <p14:creationId xmlns:p14="http://schemas.microsoft.com/office/powerpoint/2010/main" xmlns="" val="2122308339"/>
       </p:ext>
     </p:extLst>
   </p:cSld>
@@ -1764,7 +1776,8 @@
           <a:p>
             <a:fld id="{440333FA-5D5C-4CBF-84DB-7DBA4ADEDAA1}" type="datetimeFigureOut">
               <a:rPr lang="de-AT" smtClean="0"/>
-              <a:t>24.09.2011</a:t>
+              <a:pPr/>
+              <a:t>11.06.2012</a:t>
             </a:fld>
             <a:endParaRPr lang="de-AT"/>
           </a:p>
@@ -1806,7 +1819,8 @@
           <a:p>
             <a:fld id="{6D14097D-5401-42FD-B4AD-52C05F2F43E3}" type="slidenum">
               <a:rPr lang="de-AT" smtClean="0"/>
-              <a:t>‹Nr.›</a:t>
+              <a:pPr/>
+              <a:t>‹#›</a:t>
             </a:fld>
             <a:endParaRPr lang="de-AT"/>
           </a:p>
@@ -1815,7 +1829,7 @@
     </p:spTree>
     <p:extLst>
       <p:ext uri="{BB962C8B-B14F-4D97-AF65-F5344CB8AC3E}">
-        <p14:creationId xmlns:p14="http://schemas.microsoft.com/office/powerpoint/2010/main" val="915083931"/>
+        <p14:creationId xmlns:p14="http://schemas.microsoft.com/office/powerpoint/2010/main" xmlns="" val="915083931"/>
       </p:ext>
     </p:extLst>
   </p:cSld>
@@ -1882,7 +1896,8 @@
           <a:p>
             <a:fld id="{440333FA-5D5C-4CBF-84DB-7DBA4ADEDAA1}" type="datetimeFigureOut">
               <a:rPr lang="de-AT" smtClean="0"/>
-              <a:t>24.09.2011</a:t>
+              <a:pPr/>
+              <a:t>11.06.2012</a:t>
             </a:fld>
             <a:endParaRPr lang="de-AT"/>
           </a:p>
@@ -1924,7 +1939,8 @@
           <a:p>
             <a:fld id="{6D14097D-5401-42FD-B4AD-52C05F2F43E3}" type="slidenum">
               <a:rPr lang="de-AT" smtClean="0"/>
-              <a:t>‹Nr.›</a:t>
+              <a:pPr/>
+              <a:t>‹#›</a:t>
             </a:fld>
             <a:endParaRPr lang="de-AT"/>
           </a:p>
@@ -1933,7 +1949,7 @@
     </p:spTree>
     <p:extLst>
       <p:ext uri="{BB962C8B-B14F-4D97-AF65-F5344CB8AC3E}">
-        <p14:creationId xmlns:p14="http://schemas.microsoft.com/office/powerpoint/2010/main" val="670158830"/>
+        <p14:creationId xmlns:p14="http://schemas.microsoft.com/office/powerpoint/2010/main" xmlns="" val="670158830"/>
       </p:ext>
     </p:extLst>
   </p:cSld>
@@ -1977,7 +1993,8 @@
           <a:p>
             <a:fld id="{440333FA-5D5C-4CBF-84DB-7DBA4ADEDAA1}" type="datetimeFigureOut">
               <a:rPr lang="de-AT" smtClean="0"/>
-              <a:t>24.09.2011</a:t>
+              <a:pPr/>
+              <a:t>11.06.2012</a:t>
             </a:fld>
             <a:endParaRPr lang="de-AT"/>
           </a:p>
@@ -2019,7 +2036,8 @@
           <a:p>
             <a:fld id="{6D14097D-5401-42FD-B4AD-52C05F2F43E3}" type="slidenum">
               <a:rPr lang="de-AT" smtClean="0"/>
-              <a:t>‹Nr.›</a:t>
+              <a:pPr/>
+              <a:t>‹#›</a:t>
             </a:fld>
             <a:endParaRPr lang="de-AT"/>
           </a:p>
@@ -2028,7 +2046,7 @@
     </p:spTree>
     <p:extLst>
       <p:ext uri="{BB962C8B-B14F-4D97-AF65-F5344CB8AC3E}">
-        <p14:creationId xmlns:p14="http://schemas.microsoft.com/office/powerpoint/2010/main" val="773140914"/>
+        <p14:creationId xmlns:p14="http://schemas.microsoft.com/office/powerpoint/2010/main" xmlns="" val="773140914"/>
       </p:ext>
     </p:extLst>
   </p:cSld>
@@ -2254,7 +2272,8 @@
           <a:p>
             <a:fld id="{440333FA-5D5C-4CBF-84DB-7DBA4ADEDAA1}" type="datetimeFigureOut">
               <a:rPr lang="de-AT" smtClean="0"/>
-              <a:t>24.09.2011</a:t>
+              <a:pPr/>
+              <a:t>11.06.2012</a:t>
             </a:fld>
             <a:endParaRPr lang="de-AT"/>
           </a:p>
@@ -2296,7 +2315,8 @@
           <a:p>
             <a:fld id="{6D14097D-5401-42FD-B4AD-52C05F2F43E3}" type="slidenum">
               <a:rPr lang="de-AT" smtClean="0"/>
-              <a:t>‹Nr.›</a:t>
+              <a:pPr/>
+              <a:t>‹#›</a:t>
             </a:fld>
             <a:endParaRPr lang="de-AT"/>
           </a:p>
@@ -2305,7 +2325,7 @@
     </p:spTree>
     <p:extLst>
       <p:ext uri="{BB962C8B-B14F-4D97-AF65-F5344CB8AC3E}">
-        <p14:creationId xmlns:p14="http://schemas.microsoft.com/office/powerpoint/2010/main" val="3815178314"/>
+        <p14:creationId xmlns:p14="http://schemas.microsoft.com/office/powerpoint/2010/main" xmlns="" val="3815178314"/>
       </p:ext>
     </p:extLst>
   </p:cSld>
@@ -2507,7 +2527,8 @@
           <a:p>
             <a:fld id="{440333FA-5D5C-4CBF-84DB-7DBA4ADEDAA1}" type="datetimeFigureOut">
               <a:rPr lang="de-AT" smtClean="0"/>
-              <a:t>24.09.2011</a:t>
+              <a:pPr/>
+              <a:t>11.06.2012</a:t>
             </a:fld>
             <a:endParaRPr lang="de-AT"/>
           </a:p>
@@ -2549,7 +2570,8 @@
           <a:p>
             <a:fld id="{6D14097D-5401-42FD-B4AD-52C05F2F43E3}" type="slidenum">
               <a:rPr lang="de-AT" smtClean="0"/>
-              <a:t>‹Nr.›</a:t>
+              <a:pPr/>
+              <a:t>‹#›</a:t>
             </a:fld>
             <a:endParaRPr lang="de-AT"/>
           </a:p>
@@ -2558,7 +2580,7 @@
     </p:spTree>
     <p:extLst>
       <p:ext uri="{BB962C8B-B14F-4D97-AF65-F5344CB8AC3E}">
-        <p14:creationId xmlns:p14="http://schemas.microsoft.com/office/powerpoint/2010/main" val="1361183976"/>
+        <p14:creationId xmlns:p14="http://schemas.microsoft.com/office/powerpoint/2010/main" xmlns="" val="1361183976"/>
       </p:ext>
     </p:extLst>
   </p:cSld>
@@ -2720,7 +2742,8 @@
           <a:p>
             <a:fld id="{440333FA-5D5C-4CBF-84DB-7DBA4ADEDAA1}" type="datetimeFigureOut">
               <a:rPr lang="de-AT" smtClean="0"/>
-              <a:t>24.09.2011</a:t>
+              <a:pPr/>
+              <a:t>11.06.2012</a:t>
             </a:fld>
             <a:endParaRPr lang="de-AT"/>
           </a:p>
@@ -2798,7 +2821,8 @@
           <a:p>
             <a:fld id="{6D14097D-5401-42FD-B4AD-52C05F2F43E3}" type="slidenum">
               <a:rPr lang="de-AT" smtClean="0"/>
-              <a:t>‹Nr.›</a:t>
+              <a:pPr/>
+              <a:t>‹#›</a:t>
             </a:fld>
             <a:endParaRPr lang="de-AT"/>
           </a:p>
@@ -2807,7 +2831,7 @@
     </p:spTree>
     <p:extLst>
       <p:ext uri="{BB962C8B-B14F-4D97-AF65-F5344CB8AC3E}">
-        <p14:creationId xmlns:p14="http://schemas.microsoft.com/office/powerpoint/2010/main" val="3362541459"/>
+        <p14:creationId xmlns:p14="http://schemas.microsoft.com/office/powerpoint/2010/main" xmlns="" val="3362541459"/>
       </p:ext>
     </p:extLst>
   </p:cSld>
@@ -3444,91 +3468,14 @@
             <a:pPr algn="ctr"/>
             <a:r>
               <a:rPr lang="de-AT" dirty="0" smtClean="0"/>
-              <a:t>(ICE) Client Communicator</a:t>
-            </a:r>
-            <a:endParaRPr lang="de-AT" dirty="0"/>
-          </a:p>
-        </p:txBody>
-      </p:sp>
-      <p:sp>
-        <p:nvSpPr>
-          <p:cNvPr id="11" name="Rechteck 10"/>
-          <p:cNvSpPr/>
-          <p:nvPr/>
-        </p:nvSpPr>
-        <p:spPr>
-          <a:xfrm>
-            <a:off x="4888149" y="2279550"/>
-            <a:ext cx="844116" cy="720080"/>
-          </a:xfrm>
-          <a:prstGeom prst="rect">
-            <a:avLst/>
-          </a:prstGeom>
-        </p:spPr>
-        <p:style>
-          <a:lnRef idx="1">
-            <a:schemeClr val="accent1"/>
-          </a:lnRef>
-          <a:fillRef idx="2">
-            <a:schemeClr val="accent1"/>
-          </a:fillRef>
-          <a:effectRef idx="1">
-            <a:schemeClr val="accent1"/>
-          </a:effectRef>
-          <a:fontRef idx="minor">
-            <a:schemeClr val="dk1"/>
-          </a:fontRef>
-        </p:style>
-        <p:txBody>
-          <a:bodyPr rtlCol="0" anchor="ctr"/>
-          <a:lstStyle/>
+              <a:t>WebSocket</a:t>
+            </a:r>
+          </a:p>
           <a:p>
             <a:pPr algn="ctr"/>
             <a:r>
               <a:rPr lang="de-AT" dirty="0" smtClean="0"/>
-              <a:t>Proxy</a:t>
-            </a:r>
-            <a:endParaRPr lang="de-AT" dirty="0"/>
-          </a:p>
-        </p:txBody>
-      </p:sp>
-      <p:sp>
-        <p:nvSpPr>
-          <p:cNvPr id="12" name="Rechteck 11"/>
-          <p:cNvSpPr/>
-          <p:nvPr/>
-        </p:nvSpPr>
-        <p:spPr>
-          <a:xfrm>
-            <a:off x="6121515" y="3503686"/>
-            <a:ext cx="1584176" cy="720080"/>
-          </a:xfrm>
-          <a:prstGeom prst="rect">
-            <a:avLst/>
-          </a:prstGeom>
-        </p:spPr>
-        <p:style>
-          <a:lnRef idx="1">
-            <a:schemeClr val="accent4"/>
-          </a:lnRef>
-          <a:fillRef idx="2">
-            <a:schemeClr val="accent4"/>
-          </a:fillRef>
-          <a:effectRef idx="1">
-            <a:schemeClr val="accent4"/>
-          </a:effectRef>
-          <a:fontRef idx="minor">
-            <a:schemeClr val="dk1"/>
-          </a:fontRef>
-        </p:style>
-        <p:txBody>
-          <a:bodyPr rtlCol="0" anchor="ctr"/>
-          <a:lstStyle/>
-          <a:p>
-            <a:pPr algn="ctr"/>
-            <a:r>
-              <a:rPr lang="de-AT" dirty="0" smtClean="0"/>
-              <a:t>Webservice Communicator</a:t>
+              <a:t>Communicator</a:t>
             </a:r>
             <a:endParaRPr lang="de-AT" dirty="0"/>
           </a:p>
@@ -3752,92 +3699,22 @@
       </p:cxnSp>
       <p:cxnSp>
         <p:nvCxnSpPr>
-          <p:cNvPr id="38" name="Gerade Verbindung mit Pfeil 37"/>
-          <p:cNvCxnSpPr/>
+          <p:cNvPr id="41" name="Gerade Verbindung mit Pfeil 40"/>
+          <p:cNvCxnSpPr>
+            <a:stCxn id="10" idx="1"/>
+            <a:endCxn id="4" idx="3"/>
+          </p:cNvCxnSpPr>
           <p:nvPr/>
         </p:nvCxnSpPr>
         <p:spPr>
-          <a:xfrm flipH="1" flipV="1">
-            <a:off x="4498900" y="2495574"/>
-            <a:ext cx="389249" cy="5613"/>
+          <a:xfrm flipH="1">
+            <a:off x="4488961" y="2639590"/>
+            <a:ext cx="1632553" cy="0"/>
           </a:xfrm>
           <a:prstGeom prst="straightConnector1">
             <a:avLst/>
           </a:prstGeom>
           <a:ln>
-            <a:tailEnd type="arrow"/>
-          </a:ln>
-        </p:spPr>
-        <p:style>
-          <a:lnRef idx="3">
-            <a:schemeClr val="accent5"/>
-          </a:lnRef>
-          <a:fillRef idx="0">
-            <a:schemeClr val="accent5"/>
-          </a:fillRef>
-          <a:effectRef idx="2">
-            <a:schemeClr val="accent5"/>
-          </a:effectRef>
-          <a:fontRef idx="minor">
-            <a:schemeClr val="tx1"/>
-          </a:fontRef>
-        </p:style>
-      </p:cxnSp>
-      <p:cxnSp>
-        <p:nvCxnSpPr>
-          <p:cNvPr id="41" name="Gerade Verbindung mit Pfeil 40"/>
-          <p:cNvCxnSpPr>
-            <a:stCxn id="10" idx="1"/>
-            <a:endCxn id="11" idx="3"/>
-          </p:cNvCxnSpPr>
-          <p:nvPr/>
-        </p:nvCxnSpPr>
-        <p:spPr>
-          <a:xfrm flipH="1">
-            <a:off x="5732265" y="2639590"/>
-            <a:ext cx="389249" cy="0"/>
-          </a:xfrm>
-          <a:prstGeom prst="straightConnector1">
-            <a:avLst/>
-          </a:prstGeom>
-          <a:ln>
-            <a:tailEnd type="arrow"/>
-          </a:ln>
-        </p:spPr>
-        <p:style>
-          <a:lnRef idx="3">
-            <a:schemeClr val="accent5"/>
-          </a:lnRef>
-          <a:fillRef idx="0">
-            <a:schemeClr val="accent5"/>
-          </a:fillRef>
-          <a:effectRef idx="2">
-            <a:schemeClr val="accent5"/>
-          </a:effectRef>
-          <a:fontRef idx="minor">
-            <a:schemeClr val="tx1"/>
-          </a:fontRef>
-        </p:style>
-      </p:cxnSp>
-      <p:cxnSp>
-        <p:nvCxnSpPr>
-          <p:cNvPr id="47" name="Gerade Verbindung mit Pfeil 46"/>
-          <p:cNvCxnSpPr>
-            <a:stCxn id="10" idx="2"/>
-            <a:endCxn id="12" idx="0"/>
-          </p:cNvCxnSpPr>
-          <p:nvPr/>
-        </p:nvCxnSpPr>
-        <p:spPr>
-          <a:xfrm>
-            <a:off x="6913602" y="2999630"/>
-            <a:ext cx="1" cy="504056"/>
-          </a:xfrm>
-          <a:prstGeom prst="straightConnector1">
-            <a:avLst/>
-          </a:prstGeom>
-          <a:ln>
-            <a:headEnd type="arrow"/>
             <a:tailEnd type="arrow"/>
           </a:ln>
         </p:spPr>
@@ -4007,42 +3884,6 @@
       </p:cxnSp>
       <p:cxnSp>
         <p:nvCxnSpPr>
-          <p:cNvPr id="74" name="Gewinkelte Verbindung 73"/>
-          <p:cNvCxnSpPr>
-            <a:stCxn id="9" idx="3"/>
-            <a:endCxn id="11" idx="2"/>
-          </p:cNvCxnSpPr>
-          <p:nvPr/>
-        </p:nvCxnSpPr>
-        <p:spPr>
-          <a:xfrm flipV="1">
-            <a:off x="2946840" y="2999630"/>
-            <a:ext cx="2363367" cy="1728192"/>
-          </a:xfrm>
-          <a:prstGeom prst="bentConnector2">
-            <a:avLst/>
-          </a:prstGeom>
-          <a:ln>
-            <a:tailEnd type="arrow"/>
-          </a:ln>
-        </p:spPr>
-        <p:style>
-          <a:lnRef idx="1">
-            <a:schemeClr val="accent1"/>
-          </a:lnRef>
-          <a:fillRef idx="0">
-            <a:schemeClr val="accent1"/>
-          </a:fillRef>
-          <a:effectRef idx="0">
-            <a:schemeClr val="accent1"/>
-          </a:effectRef>
-          <a:fontRef idx="minor">
-            <a:schemeClr val="tx1"/>
-          </a:fontRef>
-        </p:style>
-      </p:cxnSp>
-      <p:cxnSp>
-        <p:nvCxnSpPr>
           <p:cNvPr id="75" name="Gerade Verbindung mit Pfeil 74"/>
           <p:cNvCxnSpPr/>
           <p:nvPr/>
@@ -4316,44 +4157,6 @@
           </a:fontRef>
         </p:style>
       </p:cxnSp>
-      <p:sp>
-        <p:nvSpPr>
-          <p:cNvPr id="97" name="Rechtwinkliges Dreieck 96"/>
-          <p:cNvSpPr/>
-          <p:nvPr/>
-        </p:nvSpPr>
-        <p:spPr>
-          <a:xfrm flipH="1">
-            <a:off x="5435004" y="2268393"/>
-            <a:ext cx="297261" cy="725623"/>
-          </a:xfrm>
-          <a:prstGeom prst="rtTriangle">
-            <a:avLst/>
-          </a:prstGeom>
-        </p:spPr>
-        <p:style>
-          <a:lnRef idx="1">
-            <a:schemeClr val="accent2"/>
-          </a:lnRef>
-          <a:fillRef idx="2">
-            <a:schemeClr val="accent2"/>
-          </a:fillRef>
-          <a:effectRef idx="1">
-            <a:schemeClr val="accent2"/>
-          </a:effectRef>
-          <a:fontRef idx="minor">
-            <a:schemeClr val="dk1"/>
-          </a:fontRef>
-        </p:style>
-        <p:txBody>
-          <a:bodyPr rtlCol="0" anchor="ctr"/>
-          <a:lstStyle/>
-          <a:p>
-            <a:pPr algn="ctr"/>
-            <a:endParaRPr lang="de-AT"/>
-          </a:p>
-        </p:txBody>
-      </p:sp>
       <p:cxnSp>
         <p:nvCxnSpPr>
           <p:cNvPr id="99" name="Gerade Verbindung mit Pfeil 98"/>
@@ -4393,7 +4196,7 @@
     </p:spTree>
     <p:extLst>
       <p:ext uri="{BB962C8B-B14F-4D97-AF65-F5344CB8AC3E}">
-        <p14:creationId xmlns:p14="http://schemas.microsoft.com/office/powerpoint/2010/main" val="3179037994"/>
+        <p14:creationId xmlns:p14="http://schemas.microsoft.com/office/powerpoint/2010/main" xmlns="" val="3179037994"/>
       </p:ext>
     </p:extLst>
   </p:cSld>
